--- a/ShopCore.pptx
+++ b/ShopCore.pptx
@@ -105,6 +105,11 @@
       </a:defRPr>
     </a:lvl9pPr>
   </p:defaultTextStyle>
+  <p:extLst>
+    <p:ext uri="{EFAFB233-063F-42B5-8137-9DF3F51BA10A}">
+      <p15:sldGuideLst xmlns:p15="http://schemas.microsoft.com/office/powerpoint/2012/main"/>
+    </p:ext>
+  </p:extLst>
 </p:presentation>
 </file>
 
@@ -153,7 +158,6 @@
               <a:rPr lang="en-US"/>
               <a:t>Click to edit Master title style</a:t>
             </a:r>
-            <a:endParaRPr lang="en-US"/>
           </a:p>
         </p:txBody>
       </p:sp>
@@ -218,7 +222,6 @@
               <a:rPr lang="en-US"/>
               <a:t>Click to edit Master subtitle style</a:t>
             </a:r>
-            <a:endParaRPr lang="en-US"/>
           </a:p>
         </p:txBody>
       </p:sp>
@@ -336,7 +339,6 @@
               <a:rPr lang="en-US"/>
               <a:t>Click to edit Master title style</a:t>
             </a:r>
-            <a:endParaRPr lang="en-US"/>
           </a:p>
         </p:txBody>
       </p:sp>
@@ -388,7 +390,6 @@
               <a:rPr lang="en-US"/>
               <a:t>Fifth level</a:t>
             </a:r>
-            <a:endParaRPr lang="en-US"/>
           </a:p>
         </p:txBody>
       </p:sp>
@@ -511,7 +512,6 @@
               <a:rPr lang="en-US"/>
               <a:t>Click to edit Master title style</a:t>
             </a:r>
-            <a:endParaRPr lang="en-US"/>
           </a:p>
         </p:txBody>
       </p:sp>
@@ -568,7 +568,6 @@
               <a:rPr lang="en-US"/>
               <a:t>Fifth level</a:t>
             </a:r>
-            <a:endParaRPr lang="en-US"/>
           </a:p>
         </p:txBody>
       </p:sp>
@@ -686,7 +685,6 @@
               <a:rPr lang="en-US"/>
               <a:t>Click to edit Master title style</a:t>
             </a:r>
-            <a:endParaRPr lang="en-US"/>
           </a:p>
         </p:txBody>
       </p:sp>
@@ -738,7 +736,6 @@
               <a:rPr lang="en-US"/>
               <a:t>Fifth level</a:t>
             </a:r>
-            <a:endParaRPr lang="en-US"/>
           </a:p>
         </p:txBody>
       </p:sp>
@@ -865,7 +862,6 @@
               <a:rPr lang="en-US"/>
               <a:t>Click to edit Master title style</a:t>
             </a:r>
-            <a:endParaRPr lang="en-US"/>
           </a:p>
         </p:txBody>
       </p:sp>
@@ -1102,7 +1098,6 @@
               <a:rPr lang="en-US"/>
               <a:t>Click to edit Master title style</a:t>
             </a:r>
-            <a:endParaRPr lang="en-US"/>
           </a:p>
         </p:txBody>
       </p:sp>
@@ -1159,7 +1154,6 @@
               <a:rPr lang="en-US"/>
               <a:t>Fifth level</a:t>
             </a:r>
-            <a:endParaRPr lang="en-US"/>
           </a:p>
         </p:txBody>
       </p:sp>
@@ -1216,7 +1210,6 @@
               <a:rPr lang="en-US"/>
               <a:t>Fifth level</a:t>
             </a:r>
-            <a:endParaRPr lang="en-US"/>
           </a:p>
         </p:txBody>
       </p:sp>
@@ -1339,7 +1332,6 @@
               <a:rPr lang="en-US"/>
               <a:t>Click to edit Master title style</a:t>
             </a:r>
-            <a:endParaRPr lang="en-US"/>
           </a:p>
         </p:txBody>
       </p:sp>
@@ -1461,7 +1453,6 @@
               <a:rPr lang="en-US"/>
               <a:t>Fifth level</a:t>
             </a:r>
-            <a:endParaRPr lang="en-US"/>
           </a:p>
         </p:txBody>
       </p:sp>
@@ -1583,7 +1574,6 @@
               <a:rPr lang="en-US"/>
               <a:t>Fifth level</a:t>
             </a:r>
-            <a:endParaRPr lang="en-US"/>
           </a:p>
         </p:txBody>
       </p:sp>
@@ -1701,7 +1691,6 @@
               <a:rPr lang="en-US"/>
               <a:t>Click to edit Master title style</a:t>
             </a:r>
-            <a:endParaRPr lang="en-US"/>
           </a:p>
         </p:txBody>
       </p:sp>
@@ -1923,7 +1912,6 @@
               <a:rPr lang="en-US"/>
               <a:t>Click to edit Master title style</a:t>
             </a:r>
-            <a:endParaRPr lang="en-US"/>
           </a:p>
         </p:txBody>
       </p:sp>
@@ -2008,7 +1996,6 @@
               <a:rPr lang="en-US"/>
               <a:t>Fifth level</a:t>
             </a:r>
-            <a:endParaRPr lang="en-US"/>
           </a:p>
         </p:txBody>
       </p:sp>
@@ -2200,7 +2187,6 @@
               <a:rPr lang="en-US"/>
               <a:t>Click to edit Master title style</a:t>
             </a:r>
-            <a:endParaRPr lang="en-US"/>
           </a:p>
         </p:txBody>
       </p:sp>
@@ -2459,7 +2445,6 @@
               <a:rPr lang="en-US"/>
               <a:t>Click to edit Master title style</a:t>
             </a:r>
-            <a:endParaRPr lang="en-US"/>
           </a:p>
         </p:txBody>
       </p:sp>
@@ -2521,7 +2506,6 @@
               <a:rPr lang="en-US"/>
               <a:t>Fifth level</a:t>
             </a:r>
-            <a:endParaRPr lang="en-US"/>
           </a:p>
         </p:txBody>
       </p:sp>
@@ -3133,7 +3117,7 @@
             <a:pPr algn="ctr"/>
             <a:r>
               <a:rPr lang="en-US" dirty="0"/>
-              <a:t>Web API</a:t>
+              <a:t>Public Web API</a:t>
             </a:r>
           </a:p>
         </p:txBody>
@@ -3232,7 +3216,7 @@
         </p:nvSpPr>
         <p:spPr>
           <a:xfrm>
-            <a:off x="4908884" y="908384"/>
+            <a:off x="7309189" y="908384"/>
             <a:ext cx="1894974" cy="2267953"/>
           </a:xfrm>
           <a:prstGeom prst="rect">
@@ -3275,7 +3259,7 @@
         </p:nvSpPr>
         <p:spPr>
           <a:xfrm>
-            <a:off x="5293892" y="3759869"/>
+            <a:off x="7694197" y="3759869"/>
             <a:ext cx="1136984" cy="944478"/>
           </a:xfrm>
           <a:prstGeom prst="can">
@@ -3522,7 +3506,7 @@
         </p:nvCxnSpPr>
         <p:spPr>
           <a:xfrm>
-            <a:off x="5856371" y="3176337"/>
+            <a:off x="8256676" y="3176337"/>
             <a:ext cx="6013" cy="583532"/>
           </a:xfrm>
           <a:prstGeom prst="straightConnector1">
@@ -3704,6 +3688,308 @@
           <a:xfrm>
             <a:off x="1413711" y="3176337"/>
             <a:ext cx="372979" cy="583532"/>
+          </a:xfrm>
+          <a:prstGeom prst="straightConnector1">
+            <a:avLst/>
+          </a:prstGeom>
+          <a:ln>
+            <a:tailEnd type="triangle"/>
+          </a:ln>
+        </p:spPr>
+        <p:style>
+          <a:lnRef idx="1">
+            <a:schemeClr val="accent1"/>
+          </a:lnRef>
+          <a:fillRef idx="0">
+            <a:schemeClr val="accent1"/>
+          </a:fillRef>
+          <a:effectRef idx="0">
+            <a:schemeClr val="accent1"/>
+          </a:effectRef>
+          <a:fontRef idx="minor">
+            <a:schemeClr val="tx1"/>
+          </a:fontRef>
+        </p:style>
+      </p:cxnSp>
+      <p:sp>
+        <p:nvSpPr>
+          <p:cNvPr id="2" name="Rectangle 1"/>
+          <p:cNvSpPr/>
+          <p:nvPr/>
+        </p:nvSpPr>
+        <p:spPr>
+          <a:xfrm>
+            <a:off x="4469732" y="908384"/>
+            <a:ext cx="1672389" cy="1040732"/>
+          </a:xfrm>
+          <a:prstGeom prst="rect">
+            <a:avLst/>
+          </a:prstGeom>
+        </p:spPr>
+        <p:style>
+          <a:lnRef idx="2">
+            <a:schemeClr val="accent1">
+              <a:shade val="50000"/>
+            </a:schemeClr>
+          </a:lnRef>
+          <a:fillRef idx="1">
+            <a:schemeClr val="accent1"/>
+          </a:fillRef>
+          <a:effectRef idx="0">
+            <a:schemeClr val="accent1"/>
+          </a:effectRef>
+          <a:fontRef idx="minor">
+            <a:schemeClr val="lt1"/>
+          </a:fontRef>
+        </p:style>
+        <p:txBody>
+          <a:bodyPr rtlCol="0" anchor="ctr"/>
+          <a:lstStyle/>
+          <a:p>
+            <a:pPr algn="ctr"/>
+            <a:r>
+              <a:rPr lang="en-US" dirty="0"/>
+              <a:t>MVC 5 Seller UI</a:t>
+            </a:r>
+          </a:p>
+        </p:txBody>
+      </p:sp>
+      <p:sp>
+        <p:nvSpPr>
+          <p:cNvPr id="3" name="Rectangle 2"/>
+          <p:cNvSpPr/>
+          <p:nvPr/>
+        </p:nvSpPr>
+        <p:spPr>
+          <a:xfrm>
+            <a:off x="4523874" y="2292016"/>
+            <a:ext cx="1618247" cy="884321"/>
+          </a:xfrm>
+          <a:prstGeom prst="rect">
+            <a:avLst/>
+          </a:prstGeom>
+        </p:spPr>
+        <p:style>
+          <a:lnRef idx="2">
+            <a:schemeClr val="accent1">
+              <a:shade val="50000"/>
+            </a:schemeClr>
+          </a:lnRef>
+          <a:fillRef idx="1">
+            <a:schemeClr val="accent1"/>
+          </a:fillRef>
+          <a:effectRef idx="0">
+            <a:schemeClr val="accent1"/>
+          </a:effectRef>
+          <a:fontRef idx="minor">
+            <a:schemeClr val="lt1"/>
+          </a:fontRef>
+        </p:style>
+        <p:txBody>
+          <a:bodyPr rtlCol="0" anchor="ctr"/>
+          <a:lstStyle/>
+          <a:p>
+            <a:pPr algn="ctr"/>
+            <a:r>
+              <a:rPr lang="en-US" dirty="0"/>
+              <a:t>Seller Web API</a:t>
+            </a:r>
+          </a:p>
+        </p:txBody>
+      </p:sp>
+      <p:cxnSp>
+        <p:nvCxnSpPr>
+          <p:cNvPr id="15" name="Straight Arrow Connector 14"/>
+          <p:cNvCxnSpPr>
+            <a:stCxn id="2" idx="2"/>
+            <a:endCxn id="3" idx="0"/>
+          </p:cNvCxnSpPr>
+          <p:nvPr/>
+        </p:nvCxnSpPr>
+        <p:spPr>
+          <a:xfrm>
+            <a:off x="5305927" y="1949116"/>
+            <a:ext cx="27071" cy="342900"/>
+          </a:xfrm>
+          <a:prstGeom prst="straightConnector1">
+            <a:avLst/>
+          </a:prstGeom>
+          <a:ln>
+            <a:tailEnd type="triangle"/>
+          </a:ln>
+        </p:spPr>
+        <p:style>
+          <a:lnRef idx="1">
+            <a:schemeClr val="accent1"/>
+          </a:lnRef>
+          <a:fillRef idx="0">
+            <a:schemeClr val="accent1"/>
+          </a:fillRef>
+          <a:effectRef idx="0">
+            <a:schemeClr val="accent1"/>
+          </a:effectRef>
+          <a:fontRef idx="minor">
+            <a:schemeClr val="tx1"/>
+          </a:fontRef>
+        </p:style>
+      </p:cxnSp>
+      <p:cxnSp>
+        <p:nvCxnSpPr>
+          <p:cNvPr id="19" name="Straight Arrow Connector 18"/>
+          <p:cNvCxnSpPr>
+            <a:stCxn id="3" idx="2"/>
+            <a:endCxn id="7" idx="1"/>
+          </p:cNvCxnSpPr>
+          <p:nvPr/>
+        </p:nvCxnSpPr>
+        <p:spPr>
+          <a:xfrm flipH="1">
+            <a:off x="3913271" y="3176337"/>
+            <a:ext cx="1419727" cy="589547"/>
+          </a:xfrm>
+          <a:prstGeom prst="straightConnector1">
+            <a:avLst/>
+          </a:prstGeom>
+          <a:ln>
+            <a:tailEnd type="triangle"/>
+          </a:ln>
+        </p:spPr>
+        <p:style>
+          <a:lnRef idx="1">
+            <a:schemeClr val="accent1"/>
+          </a:lnRef>
+          <a:fillRef idx="0">
+            <a:schemeClr val="accent1"/>
+          </a:fillRef>
+          <a:effectRef idx="0">
+            <a:schemeClr val="accent1"/>
+          </a:effectRef>
+          <a:fontRef idx="minor">
+            <a:schemeClr val="tx1"/>
+          </a:fontRef>
+        </p:style>
+      </p:cxnSp>
+      <p:cxnSp>
+        <p:nvCxnSpPr>
+          <p:cNvPr id="25" name="Straight Arrow Connector 24"/>
+          <p:cNvCxnSpPr>
+            <a:stCxn id="3" idx="2"/>
+            <a:endCxn id="6" idx="1"/>
+          </p:cNvCxnSpPr>
+          <p:nvPr/>
+        </p:nvCxnSpPr>
+        <p:spPr>
+          <a:xfrm flipH="1">
+            <a:off x="2845469" y="3176337"/>
+            <a:ext cx="2487529" cy="583532"/>
+          </a:xfrm>
+          <a:prstGeom prst="straightConnector1">
+            <a:avLst/>
+          </a:prstGeom>
+          <a:ln>
+            <a:tailEnd type="triangle"/>
+          </a:ln>
+        </p:spPr>
+        <p:style>
+          <a:lnRef idx="1">
+            <a:schemeClr val="accent1"/>
+          </a:lnRef>
+          <a:fillRef idx="0">
+            <a:schemeClr val="accent1"/>
+          </a:fillRef>
+          <a:effectRef idx="0">
+            <a:schemeClr val="accent1"/>
+          </a:effectRef>
+          <a:fontRef idx="minor">
+            <a:schemeClr val="tx1"/>
+          </a:fontRef>
+        </p:style>
+      </p:cxnSp>
+      <p:cxnSp>
+        <p:nvCxnSpPr>
+          <p:cNvPr id="29" name="Straight Arrow Connector 28"/>
+          <p:cNvCxnSpPr>
+            <a:stCxn id="3" idx="2"/>
+            <a:endCxn id="10" idx="1"/>
+          </p:cNvCxnSpPr>
+          <p:nvPr/>
+        </p:nvCxnSpPr>
+        <p:spPr>
+          <a:xfrm flipH="1">
+            <a:off x="1786690" y="3176337"/>
+            <a:ext cx="3546308" cy="583532"/>
+          </a:xfrm>
+          <a:prstGeom prst="straightConnector1">
+            <a:avLst/>
+          </a:prstGeom>
+          <a:ln>
+            <a:tailEnd type="triangle"/>
+          </a:ln>
+        </p:spPr>
+        <p:style>
+          <a:lnRef idx="1">
+            <a:schemeClr val="accent1"/>
+          </a:lnRef>
+          <a:fillRef idx="0">
+            <a:schemeClr val="accent1"/>
+          </a:fillRef>
+          <a:effectRef idx="0">
+            <a:schemeClr val="accent1"/>
+          </a:effectRef>
+          <a:fontRef idx="minor">
+            <a:schemeClr val="tx1"/>
+          </a:fontRef>
+        </p:style>
+      </p:cxnSp>
+      <p:cxnSp>
+        <p:nvCxnSpPr>
+          <p:cNvPr id="31" name="Straight Arrow Connector 30"/>
+          <p:cNvCxnSpPr>
+            <a:stCxn id="12" idx="2"/>
+            <a:endCxn id="9" idx="1"/>
+          </p:cNvCxnSpPr>
+          <p:nvPr/>
+        </p:nvCxnSpPr>
+        <p:spPr>
+          <a:xfrm>
+            <a:off x="1413711" y="3176337"/>
+            <a:ext cx="6848978" cy="583532"/>
+          </a:xfrm>
+          <a:prstGeom prst="straightConnector1">
+            <a:avLst/>
+          </a:prstGeom>
+          <a:ln>
+            <a:tailEnd type="triangle"/>
+          </a:ln>
+        </p:spPr>
+        <p:style>
+          <a:lnRef idx="1">
+            <a:schemeClr val="accent1"/>
+          </a:lnRef>
+          <a:fillRef idx="0">
+            <a:schemeClr val="accent1"/>
+          </a:fillRef>
+          <a:effectRef idx="0">
+            <a:schemeClr val="accent1"/>
+          </a:effectRef>
+          <a:fontRef idx="minor">
+            <a:schemeClr val="tx1"/>
+          </a:fontRef>
+        </p:style>
+      </p:cxnSp>
+      <p:cxnSp>
+        <p:nvCxnSpPr>
+          <p:cNvPr id="33" name="Straight Arrow Connector 32"/>
+          <p:cNvCxnSpPr>
+            <a:stCxn id="3" idx="2"/>
+            <a:endCxn id="9" idx="1"/>
+          </p:cNvCxnSpPr>
+          <p:nvPr/>
+        </p:nvCxnSpPr>
+        <p:spPr>
+          <a:xfrm>
+            <a:off x="5332998" y="3176337"/>
+            <a:ext cx="2929691" cy="583532"/>
           </a:xfrm>
           <a:prstGeom prst="straightConnector1">
             <a:avLst/>
